--- a/BeatSlime design repo/비트슬라임 제안서 김민규, 남주영, 어수혁-3.pptx
+++ b/BeatSlime design repo/비트슬라임 제안서 김민규, 남주영, 어수혁-3.pptx
@@ -14,9 +14,9 @@
     <p:sldId id="281" r:id="rId8"/>
     <p:sldId id="292" r:id="rId9"/>
     <p:sldId id="293" r:id="rId10"/>
-    <p:sldId id="295" r:id="rId11"/>
-    <p:sldId id="269" r:id="rId12"/>
-    <p:sldId id="298" r:id="rId13"/>
+    <p:sldId id="298" r:id="rId11"/>
+    <p:sldId id="295" r:id="rId12"/>
+    <p:sldId id="269" r:id="rId13"/>
     <p:sldId id="289" r:id="rId14"/>
     <p:sldId id="283" r:id="rId15"/>
     <p:sldId id="284" r:id="rId16"/>
@@ -285,7 +285,7 @@
           <a:p>
             <a:fld id="{47D96AAF-40E3-4D6C-821E-65A0F5616319}" type="datetimeFigureOut">
               <a:rPr lang="ko-KR" altLang="en-US" smtClean="0"/>
-              <a:t>2021-12-26</a:t>
+              <a:t>2021-12-27</a:t>
             </a:fld>
             <a:endParaRPr lang="ko-KR" altLang="en-US"/>
           </a:p>
@@ -483,7 +483,7 @@
           <a:p>
             <a:fld id="{47D96AAF-40E3-4D6C-821E-65A0F5616319}" type="datetimeFigureOut">
               <a:rPr lang="ko-KR" altLang="en-US" smtClean="0"/>
-              <a:t>2021-12-26</a:t>
+              <a:t>2021-12-27</a:t>
             </a:fld>
             <a:endParaRPr lang="ko-KR" altLang="en-US"/>
           </a:p>
@@ -691,7 +691,7 @@
           <a:p>
             <a:fld id="{47D96AAF-40E3-4D6C-821E-65A0F5616319}" type="datetimeFigureOut">
               <a:rPr lang="ko-KR" altLang="en-US" smtClean="0"/>
-              <a:t>2021-12-26</a:t>
+              <a:t>2021-12-27</a:t>
             </a:fld>
             <a:endParaRPr lang="ko-KR" altLang="en-US"/>
           </a:p>
@@ -889,7 +889,7 @@
           <a:p>
             <a:fld id="{47D96AAF-40E3-4D6C-821E-65A0F5616319}" type="datetimeFigureOut">
               <a:rPr lang="ko-KR" altLang="en-US" smtClean="0"/>
-              <a:t>2021-12-26</a:t>
+              <a:t>2021-12-27</a:t>
             </a:fld>
             <a:endParaRPr lang="ko-KR" altLang="en-US"/>
           </a:p>
@@ -1164,7 +1164,7 @@
           <a:p>
             <a:fld id="{47D96AAF-40E3-4D6C-821E-65A0F5616319}" type="datetimeFigureOut">
               <a:rPr lang="ko-KR" altLang="en-US" smtClean="0"/>
-              <a:t>2021-12-26</a:t>
+              <a:t>2021-12-27</a:t>
             </a:fld>
             <a:endParaRPr lang="ko-KR" altLang="en-US"/>
           </a:p>
@@ -1429,7 +1429,7 @@
           <a:p>
             <a:fld id="{47D96AAF-40E3-4D6C-821E-65A0F5616319}" type="datetimeFigureOut">
               <a:rPr lang="ko-KR" altLang="en-US" smtClean="0"/>
-              <a:t>2021-12-26</a:t>
+              <a:t>2021-12-27</a:t>
             </a:fld>
             <a:endParaRPr lang="ko-KR" altLang="en-US"/>
           </a:p>
@@ -1841,7 +1841,7 @@
           <a:p>
             <a:fld id="{47D96AAF-40E3-4D6C-821E-65A0F5616319}" type="datetimeFigureOut">
               <a:rPr lang="ko-KR" altLang="en-US" smtClean="0"/>
-              <a:t>2021-12-26</a:t>
+              <a:t>2021-12-27</a:t>
             </a:fld>
             <a:endParaRPr lang="ko-KR" altLang="en-US"/>
           </a:p>
@@ -1982,7 +1982,7 @@
           <a:p>
             <a:fld id="{47D96AAF-40E3-4D6C-821E-65A0F5616319}" type="datetimeFigureOut">
               <a:rPr lang="ko-KR" altLang="en-US" smtClean="0"/>
-              <a:t>2021-12-26</a:t>
+              <a:t>2021-12-27</a:t>
             </a:fld>
             <a:endParaRPr lang="ko-KR" altLang="en-US"/>
           </a:p>
@@ -2095,7 +2095,7 @@
           <a:p>
             <a:fld id="{47D96AAF-40E3-4D6C-821E-65A0F5616319}" type="datetimeFigureOut">
               <a:rPr lang="ko-KR" altLang="en-US" smtClean="0"/>
-              <a:t>2021-12-26</a:t>
+              <a:t>2021-12-27</a:t>
             </a:fld>
             <a:endParaRPr lang="ko-KR" altLang="en-US"/>
           </a:p>
@@ -2406,7 +2406,7 @@
           <a:p>
             <a:fld id="{47D96AAF-40E3-4D6C-821E-65A0F5616319}" type="datetimeFigureOut">
               <a:rPr lang="ko-KR" altLang="en-US" smtClean="0"/>
-              <a:t>2021-12-26</a:t>
+              <a:t>2021-12-27</a:t>
             </a:fld>
             <a:endParaRPr lang="ko-KR" altLang="en-US"/>
           </a:p>
@@ -2694,7 +2694,7 @@
           <a:p>
             <a:fld id="{47D96AAF-40E3-4D6C-821E-65A0F5616319}" type="datetimeFigureOut">
               <a:rPr lang="ko-KR" altLang="en-US" smtClean="0"/>
-              <a:t>2021-12-26</a:t>
+              <a:t>2021-12-27</a:t>
             </a:fld>
             <a:endParaRPr lang="ko-KR" altLang="en-US"/>
           </a:p>
@@ -2935,7 +2935,7 @@
           <a:p>
             <a:fld id="{47D96AAF-40E3-4D6C-821E-65A0F5616319}" type="datetimeFigureOut">
               <a:rPr lang="ko-KR" altLang="en-US" smtClean="0"/>
-              <a:t>2021-12-26</a:t>
+              <a:t>2021-12-27</a:t>
             </a:fld>
             <a:endParaRPr lang="ko-KR" altLang="en-US"/>
           </a:p>
@@ -3768,12 +3768,12 @@
   <p:clrMapOvr>
     <a:masterClrMapping/>
   </p:clrMapOvr>
-  <mc:AlternateContent xmlns:mc="http://schemas.openxmlformats.org/markup-compatibility/2006">
-    <mc:Choice xmlns:p14="http://schemas.microsoft.com/office/powerpoint/2010/main" Requires="p14">
-      <p:transition spd="slow" p14:dur="2000" advTm="8435"/>
+  <mc:AlternateContent xmlns:mc="http://schemas.openxmlformats.org/markup-compatibility/2006" xmlns:p14="http://schemas.microsoft.com/office/powerpoint/2010/main">
+    <mc:Choice Requires="p14">
+      <p:transition spd="slow" p14:dur="2000" advTm="11495"/>
     </mc:Choice>
-    <mc:Fallback>
-      <p:transition spd="slow" advTm="8435"/>
+    <mc:Fallback xmlns="">
+      <p:transition spd="slow" advTm="11495"/>
     </mc:Fallback>
   </mc:AlternateContent>
 </p:sld>
@@ -3798,6 +3798,387 @@
       </p:grpSpPr>
       <p:sp>
         <p:nvSpPr>
+          <p:cNvPr id="6" name="TextBox 5">
+            <a:extLst>
+              <a:ext uri="{FF2B5EF4-FFF2-40B4-BE49-F238E27FC236}">
+                <a16:creationId xmlns:a16="http://schemas.microsoft.com/office/drawing/2014/main" id="{47867BB6-1E8F-4E7F-9AA0-235BE306C180}"/>
+              </a:ext>
+            </a:extLst>
+          </p:cNvPr>
+          <p:cNvSpPr txBox="1"/>
+          <p:nvPr/>
+        </p:nvSpPr>
+        <p:spPr>
+          <a:xfrm>
+            <a:off x="67962" y="47067"/>
+            <a:ext cx="5532284" cy="769441"/>
+          </a:xfrm>
+          <a:prstGeom prst="rect">
+            <a:avLst/>
+          </a:prstGeom>
+          <a:noFill/>
+        </p:spPr>
+        <p:txBody>
+          <a:bodyPr wrap="none" rtlCol="0">
+            <a:spAutoFit/>
+          </a:bodyPr>
+          <a:lstStyle/>
+          <a:p>
+            <a:r>
+              <a:rPr lang="en-US" altLang="ko-KR" sz="4400" b="1" dirty="0">
+                <a:latin typeface="+mn-ea"/>
+              </a:rPr>
+              <a:t>1.3 </a:t>
+            </a:r>
+            <a:r>
+              <a:rPr lang="ko-KR" altLang="en-US" sz="4400" b="1" dirty="0">
+                <a:latin typeface="+mn-ea"/>
+              </a:rPr>
+              <a:t>게임 이미지 설명</a:t>
+            </a:r>
+          </a:p>
+        </p:txBody>
+      </p:sp>
+      <p:pic>
+        <p:nvPicPr>
+          <p:cNvPr id="3" name="그림 2" descr="실내, 녹색, 다채로운, 장식이(가) 표시된 사진&#10;&#10;자동 생성된 설명">
+            <a:extLst>
+              <a:ext uri="{FF2B5EF4-FFF2-40B4-BE49-F238E27FC236}">
+                <a16:creationId xmlns:a16="http://schemas.microsoft.com/office/drawing/2014/main" id="{BBCF769C-E8D7-4197-A13D-657DD5633E7B}"/>
+              </a:ext>
+            </a:extLst>
+          </p:cNvPr>
+          <p:cNvPicPr>
+            <a:picLocks noChangeAspect="1"/>
+          </p:cNvPicPr>
+          <p:nvPr/>
+        </p:nvPicPr>
+        <p:blipFill>
+          <a:blip r:embed="rId2">
+            <a:extLst>
+              <a:ext uri="{28A0092B-C50C-407E-A947-70E740481C1C}">
+                <a14:useLocalDpi xmlns:a14="http://schemas.microsoft.com/office/drawing/2010/main" val="0"/>
+              </a:ext>
+            </a:extLst>
+          </a:blip>
+          <a:stretch>
+            <a:fillRect/>
+          </a:stretch>
+        </p:blipFill>
+        <p:spPr>
+          <a:xfrm>
+            <a:off x="815249" y="916401"/>
+            <a:ext cx="5573863" cy="5857125"/>
+          </a:xfrm>
+          <a:prstGeom prst="rect">
+            <a:avLst/>
+          </a:prstGeom>
+        </p:spPr>
+      </p:pic>
+      <p:sp>
+        <p:nvSpPr>
+          <p:cNvPr id="15" name="내용 개체 틀 2">
+            <a:extLst>
+              <a:ext uri="{FF2B5EF4-FFF2-40B4-BE49-F238E27FC236}">
+                <a16:creationId xmlns:a16="http://schemas.microsoft.com/office/drawing/2014/main" id="{18E0FBFF-4FDE-44E2-A10F-0DC3D8CB094A}"/>
+              </a:ext>
+            </a:extLst>
+          </p:cNvPr>
+          <p:cNvSpPr txBox="1">
+            <a:spLocks/>
+          </p:cNvSpPr>
+          <p:nvPr/>
+        </p:nvSpPr>
+        <p:spPr>
+          <a:xfrm>
+            <a:off x="3785985" y="1815927"/>
+            <a:ext cx="10515600" cy="4351338"/>
+          </a:xfrm>
+          <a:prstGeom prst="rect">
+            <a:avLst/>
+          </a:prstGeom>
+        </p:spPr>
+        <p:txBody>
+          <a:bodyPr vert="horz" lIns="91440" tIns="45720" rIns="91440" bIns="45720" rtlCol="0">
+            <a:normAutofit/>
+          </a:bodyPr>
+          <a:lstStyle>
+            <a:lvl1pPr marL="0" indent="0" algn="ctr" defTabSz="914400" rtl="0" eaLnBrk="1" latinLnBrk="1" hangingPunct="1">
+              <a:lnSpc>
+                <a:spcPct val="90000"/>
+              </a:lnSpc>
+              <a:spcBef>
+                <a:spcPts val="1000"/>
+              </a:spcBef>
+              <a:buFont typeface="Arial" panose="020B0604020202020204" pitchFamily="34" charset="0"/>
+              <a:buNone/>
+              <a:defRPr sz="2400" kern="1200">
+                <a:solidFill>
+                  <a:schemeClr val="tx1"/>
+                </a:solidFill>
+                <a:latin typeface="+mn-lt"/>
+                <a:ea typeface="+mn-ea"/>
+                <a:cs typeface="+mn-cs"/>
+              </a:defRPr>
+            </a:lvl1pPr>
+            <a:lvl2pPr marL="457200" indent="0" algn="ctr" defTabSz="914400" rtl="0" eaLnBrk="1" latinLnBrk="1" hangingPunct="1">
+              <a:lnSpc>
+                <a:spcPct val="90000"/>
+              </a:lnSpc>
+              <a:spcBef>
+                <a:spcPts val="500"/>
+              </a:spcBef>
+              <a:buFont typeface="Arial" panose="020B0604020202020204" pitchFamily="34" charset="0"/>
+              <a:buNone/>
+              <a:defRPr sz="2000" kern="1200">
+                <a:solidFill>
+                  <a:schemeClr val="tx1"/>
+                </a:solidFill>
+                <a:latin typeface="+mn-lt"/>
+                <a:ea typeface="+mn-ea"/>
+                <a:cs typeface="+mn-cs"/>
+              </a:defRPr>
+            </a:lvl2pPr>
+            <a:lvl3pPr marL="914400" indent="0" algn="ctr" defTabSz="914400" rtl="0" eaLnBrk="1" latinLnBrk="1" hangingPunct="1">
+              <a:lnSpc>
+                <a:spcPct val="90000"/>
+              </a:lnSpc>
+              <a:spcBef>
+                <a:spcPts val="500"/>
+              </a:spcBef>
+              <a:buFont typeface="Arial" panose="020B0604020202020204" pitchFamily="34" charset="0"/>
+              <a:buNone/>
+              <a:defRPr sz="1800" kern="1200">
+                <a:solidFill>
+                  <a:schemeClr val="tx1"/>
+                </a:solidFill>
+                <a:latin typeface="+mn-lt"/>
+                <a:ea typeface="+mn-ea"/>
+                <a:cs typeface="+mn-cs"/>
+              </a:defRPr>
+            </a:lvl3pPr>
+            <a:lvl4pPr marL="1371600" indent="0" algn="ctr" defTabSz="914400" rtl="0" eaLnBrk="1" latinLnBrk="1" hangingPunct="1">
+              <a:lnSpc>
+                <a:spcPct val="90000"/>
+              </a:lnSpc>
+              <a:spcBef>
+                <a:spcPts val="500"/>
+              </a:spcBef>
+              <a:buFont typeface="Arial" panose="020B0604020202020204" pitchFamily="34" charset="0"/>
+              <a:buNone/>
+              <a:defRPr sz="1600" kern="1200">
+                <a:solidFill>
+                  <a:schemeClr val="tx1"/>
+                </a:solidFill>
+                <a:latin typeface="+mn-lt"/>
+                <a:ea typeface="+mn-ea"/>
+                <a:cs typeface="+mn-cs"/>
+              </a:defRPr>
+            </a:lvl4pPr>
+            <a:lvl5pPr marL="1828800" indent="0" algn="ctr" defTabSz="914400" rtl="0" eaLnBrk="1" latinLnBrk="1" hangingPunct="1">
+              <a:lnSpc>
+                <a:spcPct val="90000"/>
+              </a:lnSpc>
+              <a:spcBef>
+                <a:spcPts val="500"/>
+              </a:spcBef>
+              <a:buFont typeface="Arial" panose="020B0604020202020204" pitchFamily="34" charset="0"/>
+              <a:buNone/>
+              <a:defRPr sz="1600" kern="1200">
+                <a:solidFill>
+                  <a:schemeClr val="tx1"/>
+                </a:solidFill>
+                <a:latin typeface="+mn-lt"/>
+                <a:ea typeface="+mn-ea"/>
+                <a:cs typeface="+mn-cs"/>
+              </a:defRPr>
+            </a:lvl5pPr>
+            <a:lvl6pPr marL="2286000" indent="0" algn="ctr" defTabSz="914400" rtl="0" eaLnBrk="1" latinLnBrk="1" hangingPunct="1">
+              <a:lnSpc>
+                <a:spcPct val="90000"/>
+              </a:lnSpc>
+              <a:spcBef>
+                <a:spcPts val="500"/>
+              </a:spcBef>
+              <a:buFont typeface="Arial" panose="020B0604020202020204" pitchFamily="34" charset="0"/>
+              <a:buNone/>
+              <a:defRPr sz="1600" kern="1200">
+                <a:solidFill>
+                  <a:schemeClr val="tx1"/>
+                </a:solidFill>
+                <a:latin typeface="+mn-lt"/>
+                <a:ea typeface="+mn-ea"/>
+                <a:cs typeface="+mn-cs"/>
+              </a:defRPr>
+            </a:lvl6pPr>
+            <a:lvl7pPr marL="2743200" indent="0" algn="ctr" defTabSz="914400" rtl="0" eaLnBrk="1" latinLnBrk="1" hangingPunct="1">
+              <a:lnSpc>
+                <a:spcPct val="90000"/>
+              </a:lnSpc>
+              <a:spcBef>
+                <a:spcPts val="500"/>
+              </a:spcBef>
+              <a:buFont typeface="Arial" panose="020B0604020202020204" pitchFamily="34" charset="0"/>
+              <a:buNone/>
+              <a:defRPr sz="1600" kern="1200">
+                <a:solidFill>
+                  <a:schemeClr val="tx1"/>
+                </a:solidFill>
+                <a:latin typeface="+mn-lt"/>
+                <a:ea typeface="+mn-ea"/>
+                <a:cs typeface="+mn-cs"/>
+              </a:defRPr>
+            </a:lvl7pPr>
+            <a:lvl8pPr marL="3200400" indent="0" algn="ctr" defTabSz="914400" rtl="0" eaLnBrk="1" latinLnBrk="1" hangingPunct="1">
+              <a:lnSpc>
+                <a:spcPct val="90000"/>
+              </a:lnSpc>
+              <a:spcBef>
+                <a:spcPts val="500"/>
+              </a:spcBef>
+              <a:buFont typeface="Arial" panose="020B0604020202020204" pitchFamily="34" charset="0"/>
+              <a:buNone/>
+              <a:defRPr sz="1600" kern="1200">
+                <a:solidFill>
+                  <a:schemeClr val="tx1"/>
+                </a:solidFill>
+                <a:latin typeface="+mn-lt"/>
+                <a:ea typeface="+mn-ea"/>
+                <a:cs typeface="+mn-cs"/>
+              </a:defRPr>
+            </a:lvl8pPr>
+            <a:lvl9pPr marL="3657600" indent="0" algn="ctr" defTabSz="914400" rtl="0" eaLnBrk="1" latinLnBrk="1" hangingPunct="1">
+              <a:lnSpc>
+                <a:spcPct val="90000"/>
+              </a:lnSpc>
+              <a:spcBef>
+                <a:spcPts val="500"/>
+              </a:spcBef>
+              <a:buFont typeface="Arial" panose="020B0604020202020204" pitchFamily="34" charset="0"/>
+              <a:buNone/>
+              <a:defRPr sz="1600" kern="1200">
+                <a:solidFill>
+                  <a:schemeClr val="tx1"/>
+                </a:solidFill>
+                <a:latin typeface="+mn-lt"/>
+                <a:ea typeface="+mn-ea"/>
+                <a:cs typeface="+mn-cs"/>
+              </a:defRPr>
+            </a:lvl9pPr>
+          </a:lstStyle>
+          <a:p>
+            <a:r>
+              <a:rPr lang="ko-KR" altLang="en-US" dirty="0"/>
+              <a:t>스킬 상점</a:t>
+            </a:r>
+            <a:endParaRPr lang="en-US" altLang="ko-KR" dirty="0"/>
+          </a:p>
+          <a:p>
+            <a:endParaRPr lang="en-US" altLang="ko-KR" dirty="0"/>
+          </a:p>
+          <a:p>
+            <a:r>
+              <a:rPr lang="ko-KR" altLang="en-US" dirty="0" err="1"/>
+              <a:t>파티원</a:t>
+            </a:r>
+            <a:r>
+              <a:rPr lang="ko-KR" altLang="en-US" dirty="0"/>
+              <a:t> 모집 </a:t>
+            </a:r>
+            <a:r>
+              <a:rPr lang="en-US" altLang="ko-KR" dirty="0"/>
+              <a:t>(</a:t>
+            </a:r>
+            <a:r>
+              <a:rPr lang="ko-KR" altLang="en-US" dirty="0"/>
+              <a:t>파티 결성 </a:t>
+            </a:r>
+            <a:r>
+              <a:rPr lang="en-US" altLang="ko-KR" dirty="0"/>
+              <a:t>UI)</a:t>
+            </a:r>
+          </a:p>
+          <a:p>
+            <a:endParaRPr lang="en-US" altLang="ko-KR" dirty="0"/>
+          </a:p>
+          <a:p>
+            <a:r>
+              <a:rPr lang="ko-KR" altLang="en-US" dirty="0"/>
+              <a:t>인 게임 이동 포탈</a:t>
+            </a:r>
+            <a:endParaRPr lang="en-US" altLang="ko-KR" dirty="0"/>
+          </a:p>
+          <a:p>
+            <a:endParaRPr lang="en-US" altLang="ko-KR" dirty="0"/>
+          </a:p>
+          <a:p>
+            <a:r>
+              <a:rPr lang="ko-KR" altLang="en-US" dirty="0" err="1"/>
+              <a:t>오르골</a:t>
+            </a:r>
+            <a:r>
+              <a:rPr lang="ko-KR" altLang="en-US" dirty="0"/>
+              <a:t> </a:t>
+            </a:r>
+            <a:r>
+              <a:rPr lang="en-US" altLang="ko-KR" dirty="0"/>
+              <a:t>(</a:t>
+            </a:r>
+            <a:r>
+              <a:rPr lang="ko-KR" altLang="en-US" dirty="0"/>
+              <a:t>박물관</a:t>
+            </a:r>
+            <a:r>
+              <a:rPr lang="en-US" altLang="ko-KR" dirty="0"/>
+              <a:t>)</a:t>
+            </a:r>
+          </a:p>
+          <a:p>
+            <a:pPr lvl="1"/>
+            <a:endParaRPr lang="en-US" altLang="ko-KR" dirty="0"/>
+          </a:p>
+        </p:txBody>
+      </p:sp>
+    </p:spTree>
+    <p:extLst>
+      <p:ext uri="{BB962C8B-B14F-4D97-AF65-F5344CB8AC3E}">
+        <p14:creationId xmlns:p14="http://schemas.microsoft.com/office/powerpoint/2010/main" val="2185422054"/>
+      </p:ext>
+    </p:extLst>
+  </p:cSld>
+  <p:clrMapOvr>
+    <a:masterClrMapping/>
+  </p:clrMapOvr>
+  <mc:AlternateContent xmlns:mc="http://schemas.openxmlformats.org/markup-compatibility/2006" xmlns:p14="http://schemas.microsoft.com/office/powerpoint/2010/main">
+    <mc:Choice Requires="p14">
+      <p:transition spd="slow" p14:dur="2000" advTm="13904"/>
+    </mc:Choice>
+    <mc:Fallback xmlns="">
+      <p:transition spd="slow" advTm="13904"/>
+    </mc:Fallback>
+  </mc:AlternateContent>
+</p:sld>
+</file>
+
+<file path=ppt/slides/slide11.xml><?xml version="1.0" encoding="utf-8"?>
+<p:sld xmlns:a="http://schemas.openxmlformats.org/drawingml/2006/main" xmlns:r="http://schemas.openxmlformats.org/officeDocument/2006/relationships" xmlns:p="http://schemas.openxmlformats.org/presentationml/2006/main">
+  <p:cSld>
+    <p:spTree>
+      <p:nvGrpSpPr>
+        <p:cNvPr id="1" name=""/>
+        <p:cNvGrpSpPr/>
+        <p:nvPr/>
+      </p:nvGrpSpPr>
+      <p:grpSpPr>
+        <a:xfrm>
+          <a:off x="0" y="0"/>
+          <a:ext cx="0" cy="0"/>
+          <a:chOff x="0" y="0"/>
+          <a:chExt cx="0" cy="0"/>
+        </a:xfrm>
+      </p:grpSpPr>
+      <p:sp>
+        <p:nvSpPr>
           <p:cNvPr id="2" name="제목 1">
             <a:extLst>
               <a:ext uri="{FF2B5EF4-FFF2-40B4-BE49-F238E27FC236}">
@@ -3915,18 +4296,18 @@
   <p:clrMapOvr>
     <a:masterClrMapping/>
   </p:clrMapOvr>
-  <mc:AlternateContent xmlns:mc="http://schemas.openxmlformats.org/markup-compatibility/2006">
-    <mc:Choice xmlns:p14="http://schemas.microsoft.com/office/powerpoint/2010/main" Requires="p14">
-      <p:transition spd="slow" p14:dur="2000" advTm="18176"/>
+  <mc:AlternateContent xmlns:mc="http://schemas.openxmlformats.org/markup-compatibility/2006" xmlns:p14="http://schemas.microsoft.com/office/powerpoint/2010/main">
+    <mc:Choice Requires="p14">
+      <p:transition spd="slow" p14:dur="2000" advTm="17986"/>
     </mc:Choice>
-    <mc:Fallback>
-      <p:transition spd="slow" advTm="18176"/>
+    <mc:Fallback xmlns="">
+      <p:transition spd="slow" advTm="17986"/>
     </mc:Fallback>
   </mc:AlternateContent>
 </p:sld>
 </file>
 
-<file path=ppt/slides/slide11.xml><?xml version="1.0" encoding="utf-8"?>
+<file path=ppt/slides/slide12.xml><?xml version="1.0" encoding="utf-8"?>
 <p:sld xmlns:a="http://schemas.openxmlformats.org/drawingml/2006/main" xmlns:r="http://schemas.openxmlformats.org/officeDocument/2006/relationships" xmlns:p="http://schemas.openxmlformats.org/presentationml/2006/main">
   <p:cSld>
     <p:spTree>
@@ -4358,12 +4739,12 @@
   <p:clrMapOvr>
     <a:masterClrMapping/>
   </p:clrMapOvr>
-  <mc:AlternateContent xmlns:mc="http://schemas.openxmlformats.org/markup-compatibility/2006">
-    <mc:Choice xmlns:p14="http://schemas.microsoft.com/office/powerpoint/2010/main" Requires="p14">
-      <p:transition spd="slow" p14:dur="2000" advTm="42300"/>
+  <mc:AlternateContent xmlns:mc="http://schemas.openxmlformats.org/markup-compatibility/2006" xmlns:p14="http://schemas.microsoft.com/office/powerpoint/2010/main">
+    <mc:Choice Requires="p14">
+      <p:transition spd="slow" p14:dur="2000" advTm="36723"/>
     </mc:Choice>
-    <mc:Fallback>
-      <p:transition spd="slow" advTm="42300"/>
+    <mc:Fallback xmlns="">
+      <p:transition spd="slow" advTm="36723"/>
     </mc:Fallback>
   </mc:AlternateContent>
   <p:timing>
@@ -5005,387 +5386,6 @@
 </p:sld>
 </file>
 
-<file path=ppt/slides/slide12.xml><?xml version="1.0" encoding="utf-8"?>
-<p:sld xmlns:a="http://schemas.openxmlformats.org/drawingml/2006/main" xmlns:r="http://schemas.openxmlformats.org/officeDocument/2006/relationships" xmlns:p="http://schemas.openxmlformats.org/presentationml/2006/main">
-  <p:cSld>
-    <p:spTree>
-      <p:nvGrpSpPr>
-        <p:cNvPr id="1" name=""/>
-        <p:cNvGrpSpPr/>
-        <p:nvPr/>
-      </p:nvGrpSpPr>
-      <p:grpSpPr>
-        <a:xfrm>
-          <a:off x="0" y="0"/>
-          <a:ext cx="0" cy="0"/>
-          <a:chOff x="0" y="0"/>
-          <a:chExt cx="0" cy="0"/>
-        </a:xfrm>
-      </p:grpSpPr>
-      <p:sp>
-        <p:nvSpPr>
-          <p:cNvPr id="6" name="TextBox 5">
-            <a:extLst>
-              <a:ext uri="{FF2B5EF4-FFF2-40B4-BE49-F238E27FC236}">
-                <a16:creationId xmlns:a16="http://schemas.microsoft.com/office/drawing/2014/main" id="{47867BB6-1E8F-4E7F-9AA0-235BE306C180}"/>
-              </a:ext>
-            </a:extLst>
-          </p:cNvPr>
-          <p:cNvSpPr txBox="1"/>
-          <p:nvPr/>
-        </p:nvSpPr>
-        <p:spPr>
-          <a:xfrm>
-            <a:off x="67962" y="47067"/>
-            <a:ext cx="5532284" cy="769441"/>
-          </a:xfrm>
-          <a:prstGeom prst="rect">
-            <a:avLst/>
-          </a:prstGeom>
-          <a:noFill/>
-        </p:spPr>
-        <p:txBody>
-          <a:bodyPr wrap="none" rtlCol="0">
-            <a:spAutoFit/>
-          </a:bodyPr>
-          <a:lstStyle/>
-          <a:p>
-            <a:r>
-              <a:rPr lang="en-US" altLang="ko-KR" sz="4400" b="1" dirty="0">
-                <a:latin typeface="+mn-ea"/>
-              </a:rPr>
-              <a:t>1.3 </a:t>
-            </a:r>
-            <a:r>
-              <a:rPr lang="ko-KR" altLang="en-US" sz="4400" b="1" dirty="0">
-                <a:latin typeface="+mn-ea"/>
-              </a:rPr>
-              <a:t>게임 이미지 설명</a:t>
-            </a:r>
-          </a:p>
-        </p:txBody>
-      </p:sp>
-      <p:pic>
-        <p:nvPicPr>
-          <p:cNvPr id="3" name="그림 2" descr="실내, 녹색, 다채로운, 장식이(가) 표시된 사진&#10;&#10;자동 생성된 설명">
-            <a:extLst>
-              <a:ext uri="{FF2B5EF4-FFF2-40B4-BE49-F238E27FC236}">
-                <a16:creationId xmlns:a16="http://schemas.microsoft.com/office/drawing/2014/main" id="{BBCF769C-E8D7-4197-A13D-657DD5633E7B}"/>
-              </a:ext>
-            </a:extLst>
-          </p:cNvPr>
-          <p:cNvPicPr>
-            <a:picLocks noChangeAspect="1"/>
-          </p:cNvPicPr>
-          <p:nvPr/>
-        </p:nvPicPr>
-        <p:blipFill>
-          <a:blip r:embed="rId2">
-            <a:extLst>
-              <a:ext uri="{28A0092B-C50C-407E-A947-70E740481C1C}">
-                <a14:useLocalDpi xmlns:a14="http://schemas.microsoft.com/office/drawing/2010/main" val="0"/>
-              </a:ext>
-            </a:extLst>
-          </a:blip>
-          <a:stretch>
-            <a:fillRect/>
-          </a:stretch>
-        </p:blipFill>
-        <p:spPr>
-          <a:xfrm>
-            <a:off x="815249" y="916401"/>
-            <a:ext cx="5573863" cy="5857125"/>
-          </a:xfrm>
-          <a:prstGeom prst="rect">
-            <a:avLst/>
-          </a:prstGeom>
-        </p:spPr>
-      </p:pic>
-      <p:sp>
-        <p:nvSpPr>
-          <p:cNvPr id="15" name="내용 개체 틀 2">
-            <a:extLst>
-              <a:ext uri="{FF2B5EF4-FFF2-40B4-BE49-F238E27FC236}">
-                <a16:creationId xmlns:a16="http://schemas.microsoft.com/office/drawing/2014/main" id="{18E0FBFF-4FDE-44E2-A10F-0DC3D8CB094A}"/>
-              </a:ext>
-            </a:extLst>
-          </p:cNvPr>
-          <p:cNvSpPr txBox="1">
-            <a:spLocks/>
-          </p:cNvSpPr>
-          <p:nvPr/>
-        </p:nvSpPr>
-        <p:spPr>
-          <a:xfrm>
-            <a:off x="3785985" y="1815927"/>
-            <a:ext cx="10515600" cy="4351338"/>
-          </a:xfrm>
-          <a:prstGeom prst="rect">
-            <a:avLst/>
-          </a:prstGeom>
-        </p:spPr>
-        <p:txBody>
-          <a:bodyPr vert="horz" lIns="91440" tIns="45720" rIns="91440" bIns="45720" rtlCol="0">
-            <a:normAutofit/>
-          </a:bodyPr>
-          <a:lstStyle>
-            <a:lvl1pPr marL="0" indent="0" algn="ctr" defTabSz="914400" rtl="0" eaLnBrk="1" latinLnBrk="1" hangingPunct="1">
-              <a:lnSpc>
-                <a:spcPct val="90000"/>
-              </a:lnSpc>
-              <a:spcBef>
-                <a:spcPts val="1000"/>
-              </a:spcBef>
-              <a:buFont typeface="Arial" panose="020B0604020202020204" pitchFamily="34" charset="0"/>
-              <a:buNone/>
-              <a:defRPr sz="2400" kern="1200">
-                <a:solidFill>
-                  <a:schemeClr val="tx1"/>
-                </a:solidFill>
-                <a:latin typeface="+mn-lt"/>
-                <a:ea typeface="+mn-ea"/>
-                <a:cs typeface="+mn-cs"/>
-              </a:defRPr>
-            </a:lvl1pPr>
-            <a:lvl2pPr marL="457200" indent="0" algn="ctr" defTabSz="914400" rtl="0" eaLnBrk="1" latinLnBrk="1" hangingPunct="1">
-              <a:lnSpc>
-                <a:spcPct val="90000"/>
-              </a:lnSpc>
-              <a:spcBef>
-                <a:spcPts val="500"/>
-              </a:spcBef>
-              <a:buFont typeface="Arial" panose="020B0604020202020204" pitchFamily="34" charset="0"/>
-              <a:buNone/>
-              <a:defRPr sz="2000" kern="1200">
-                <a:solidFill>
-                  <a:schemeClr val="tx1"/>
-                </a:solidFill>
-                <a:latin typeface="+mn-lt"/>
-                <a:ea typeface="+mn-ea"/>
-                <a:cs typeface="+mn-cs"/>
-              </a:defRPr>
-            </a:lvl2pPr>
-            <a:lvl3pPr marL="914400" indent="0" algn="ctr" defTabSz="914400" rtl="0" eaLnBrk="1" latinLnBrk="1" hangingPunct="1">
-              <a:lnSpc>
-                <a:spcPct val="90000"/>
-              </a:lnSpc>
-              <a:spcBef>
-                <a:spcPts val="500"/>
-              </a:spcBef>
-              <a:buFont typeface="Arial" panose="020B0604020202020204" pitchFamily="34" charset="0"/>
-              <a:buNone/>
-              <a:defRPr sz="1800" kern="1200">
-                <a:solidFill>
-                  <a:schemeClr val="tx1"/>
-                </a:solidFill>
-                <a:latin typeface="+mn-lt"/>
-                <a:ea typeface="+mn-ea"/>
-                <a:cs typeface="+mn-cs"/>
-              </a:defRPr>
-            </a:lvl3pPr>
-            <a:lvl4pPr marL="1371600" indent="0" algn="ctr" defTabSz="914400" rtl="0" eaLnBrk="1" latinLnBrk="1" hangingPunct="1">
-              <a:lnSpc>
-                <a:spcPct val="90000"/>
-              </a:lnSpc>
-              <a:spcBef>
-                <a:spcPts val="500"/>
-              </a:spcBef>
-              <a:buFont typeface="Arial" panose="020B0604020202020204" pitchFamily="34" charset="0"/>
-              <a:buNone/>
-              <a:defRPr sz="1600" kern="1200">
-                <a:solidFill>
-                  <a:schemeClr val="tx1"/>
-                </a:solidFill>
-                <a:latin typeface="+mn-lt"/>
-                <a:ea typeface="+mn-ea"/>
-                <a:cs typeface="+mn-cs"/>
-              </a:defRPr>
-            </a:lvl4pPr>
-            <a:lvl5pPr marL="1828800" indent="0" algn="ctr" defTabSz="914400" rtl="0" eaLnBrk="1" latinLnBrk="1" hangingPunct="1">
-              <a:lnSpc>
-                <a:spcPct val="90000"/>
-              </a:lnSpc>
-              <a:spcBef>
-                <a:spcPts val="500"/>
-              </a:spcBef>
-              <a:buFont typeface="Arial" panose="020B0604020202020204" pitchFamily="34" charset="0"/>
-              <a:buNone/>
-              <a:defRPr sz="1600" kern="1200">
-                <a:solidFill>
-                  <a:schemeClr val="tx1"/>
-                </a:solidFill>
-                <a:latin typeface="+mn-lt"/>
-                <a:ea typeface="+mn-ea"/>
-                <a:cs typeface="+mn-cs"/>
-              </a:defRPr>
-            </a:lvl5pPr>
-            <a:lvl6pPr marL="2286000" indent="0" algn="ctr" defTabSz="914400" rtl="0" eaLnBrk="1" latinLnBrk="1" hangingPunct="1">
-              <a:lnSpc>
-                <a:spcPct val="90000"/>
-              </a:lnSpc>
-              <a:spcBef>
-                <a:spcPts val="500"/>
-              </a:spcBef>
-              <a:buFont typeface="Arial" panose="020B0604020202020204" pitchFamily="34" charset="0"/>
-              <a:buNone/>
-              <a:defRPr sz="1600" kern="1200">
-                <a:solidFill>
-                  <a:schemeClr val="tx1"/>
-                </a:solidFill>
-                <a:latin typeface="+mn-lt"/>
-                <a:ea typeface="+mn-ea"/>
-                <a:cs typeface="+mn-cs"/>
-              </a:defRPr>
-            </a:lvl6pPr>
-            <a:lvl7pPr marL="2743200" indent="0" algn="ctr" defTabSz="914400" rtl="0" eaLnBrk="1" latinLnBrk="1" hangingPunct="1">
-              <a:lnSpc>
-                <a:spcPct val="90000"/>
-              </a:lnSpc>
-              <a:spcBef>
-                <a:spcPts val="500"/>
-              </a:spcBef>
-              <a:buFont typeface="Arial" panose="020B0604020202020204" pitchFamily="34" charset="0"/>
-              <a:buNone/>
-              <a:defRPr sz="1600" kern="1200">
-                <a:solidFill>
-                  <a:schemeClr val="tx1"/>
-                </a:solidFill>
-                <a:latin typeface="+mn-lt"/>
-                <a:ea typeface="+mn-ea"/>
-                <a:cs typeface="+mn-cs"/>
-              </a:defRPr>
-            </a:lvl7pPr>
-            <a:lvl8pPr marL="3200400" indent="0" algn="ctr" defTabSz="914400" rtl="0" eaLnBrk="1" latinLnBrk="1" hangingPunct="1">
-              <a:lnSpc>
-                <a:spcPct val="90000"/>
-              </a:lnSpc>
-              <a:spcBef>
-                <a:spcPts val="500"/>
-              </a:spcBef>
-              <a:buFont typeface="Arial" panose="020B0604020202020204" pitchFamily="34" charset="0"/>
-              <a:buNone/>
-              <a:defRPr sz="1600" kern="1200">
-                <a:solidFill>
-                  <a:schemeClr val="tx1"/>
-                </a:solidFill>
-                <a:latin typeface="+mn-lt"/>
-                <a:ea typeface="+mn-ea"/>
-                <a:cs typeface="+mn-cs"/>
-              </a:defRPr>
-            </a:lvl8pPr>
-            <a:lvl9pPr marL="3657600" indent="0" algn="ctr" defTabSz="914400" rtl="0" eaLnBrk="1" latinLnBrk="1" hangingPunct="1">
-              <a:lnSpc>
-                <a:spcPct val="90000"/>
-              </a:lnSpc>
-              <a:spcBef>
-                <a:spcPts val="500"/>
-              </a:spcBef>
-              <a:buFont typeface="Arial" panose="020B0604020202020204" pitchFamily="34" charset="0"/>
-              <a:buNone/>
-              <a:defRPr sz="1600" kern="1200">
-                <a:solidFill>
-                  <a:schemeClr val="tx1"/>
-                </a:solidFill>
-                <a:latin typeface="+mn-lt"/>
-                <a:ea typeface="+mn-ea"/>
-                <a:cs typeface="+mn-cs"/>
-              </a:defRPr>
-            </a:lvl9pPr>
-          </a:lstStyle>
-          <a:p>
-            <a:r>
-              <a:rPr lang="ko-KR" altLang="en-US" dirty="0"/>
-              <a:t>스킬 상점</a:t>
-            </a:r>
-            <a:endParaRPr lang="en-US" altLang="ko-KR" dirty="0"/>
-          </a:p>
-          <a:p>
-            <a:endParaRPr lang="en-US" altLang="ko-KR" dirty="0"/>
-          </a:p>
-          <a:p>
-            <a:r>
-              <a:rPr lang="ko-KR" altLang="en-US" dirty="0" err="1"/>
-              <a:t>파티원</a:t>
-            </a:r>
-            <a:r>
-              <a:rPr lang="ko-KR" altLang="en-US" dirty="0"/>
-              <a:t> 모집 </a:t>
-            </a:r>
-            <a:r>
-              <a:rPr lang="en-US" altLang="ko-KR" dirty="0"/>
-              <a:t>(</a:t>
-            </a:r>
-            <a:r>
-              <a:rPr lang="ko-KR" altLang="en-US" dirty="0"/>
-              <a:t>파티 결성 </a:t>
-            </a:r>
-            <a:r>
-              <a:rPr lang="en-US" altLang="ko-KR" dirty="0"/>
-              <a:t>UI)</a:t>
-            </a:r>
-          </a:p>
-          <a:p>
-            <a:endParaRPr lang="en-US" altLang="ko-KR" dirty="0"/>
-          </a:p>
-          <a:p>
-            <a:r>
-              <a:rPr lang="ko-KR" altLang="en-US" dirty="0"/>
-              <a:t>인 게임 이동 포탈</a:t>
-            </a:r>
-            <a:endParaRPr lang="en-US" altLang="ko-KR" dirty="0"/>
-          </a:p>
-          <a:p>
-            <a:endParaRPr lang="en-US" altLang="ko-KR" dirty="0"/>
-          </a:p>
-          <a:p>
-            <a:r>
-              <a:rPr lang="ko-KR" altLang="en-US" dirty="0" err="1"/>
-              <a:t>오르골</a:t>
-            </a:r>
-            <a:r>
-              <a:rPr lang="ko-KR" altLang="en-US" dirty="0"/>
-              <a:t> </a:t>
-            </a:r>
-            <a:r>
-              <a:rPr lang="en-US" altLang="ko-KR" dirty="0"/>
-              <a:t>(</a:t>
-            </a:r>
-            <a:r>
-              <a:rPr lang="ko-KR" altLang="en-US" dirty="0"/>
-              <a:t>박물관</a:t>
-            </a:r>
-            <a:r>
-              <a:rPr lang="en-US" altLang="ko-KR" dirty="0"/>
-              <a:t>)</a:t>
-            </a:r>
-          </a:p>
-          <a:p>
-            <a:pPr lvl="1"/>
-            <a:endParaRPr lang="en-US" altLang="ko-KR" dirty="0"/>
-          </a:p>
-        </p:txBody>
-      </p:sp>
-    </p:spTree>
-    <p:extLst>
-      <p:ext uri="{BB962C8B-B14F-4D97-AF65-F5344CB8AC3E}">
-        <p14:creationId xmlns:p14="http://schemas.microsoft.com/office/powerpoint/2010/main" val="2185422054"/>
-      </p:ext>
-    </p:extLst>
-  </p:cSld>
-  <p:clrMapOvr>
-    <a:masterClrMapping/>
-  </p:clrMapOvr>
-  <mc:AlternateContent xmlns:mc="http://schemas.openxmlformats.org/markup-compatibility/2006">
-    <mc:Choice xmlns:p14="http://schemas.microsoft.com/office/powerpoint/2010/main" Requires="p14">
-      <p:transition spd="slow" p14:dur="2000" advTm="15384"/>
-    </mc:Choice>
-    <mc:Fallback>
-      <p:transition spd="slow" advTm="15384"/>
-    </mc:Fallback>
-  </mc:AlternateContent>
-</p:sld>
-</file>
-
 <file path=ppt/slides/slide13.xml><?xml version="1.0" encoding="utf-8"?>
 <p:sld xmlns:a="http://schemas.openxmlformats.org/drawingml/2006/main" xmlns:r="http://schemas.openxmlformats.org/officeDocument/2006/relationships" xmlns:p="http://schemas.openxmlformats.org/presentationml/2006/main">
   <p:cSld>
@@ -6452,12 +6452,12 @@
   <p:clrMapOvr>
     <a:masterClrMapping/>
   </p:clrMapOvr>
-  <mc:AlternateContent xmlns:mc="http://schemas.openxmlformats.org/markup-compatibility/2006">
-    <mc:Choice xmlns:p14="http://schemas.microsoft.com/office/powerpoint/2010/main" Requires="p14">
-      <p:transition spd="slow" p14:dur="2000" advTm="21605"/>
+  <mc:AlternateContent xmlns:mc="http://schemas.openxmlformats.org/markup-compatibility/2006" xmlns:p14="http://schemas.microsoft.com/office/powerpoint/2010/main">
+    <mc:Choice Requires="p14">
+      <p:transition spd="slow" p14:dur="2000" advTm="20822"/>
     </mc:Choice>
-    <mc:Fallback>
-      <p:transition spd="slow" advTm="21605"/>
+    <mc:Fallback xmlns="">
+      <p:transition spd="slow" advTm="20822"/>
     </mc:Fallback>
   </mc:AlternateContent>
 </p:sld>
@@ -6575,12 +6575,12 @@
   <p:clrMapOvr>
     <a:masterClrMapping/>
   </p:clrMapOvr>
-  <mc:AlternateContent xmlns:mc="http://schemas.openxmlformats.org/markup-compatibility/2006">
-    <mc:Choice xmlns:p14="http://schemas.microsoft.com/office/powerpoint/2010/main" Requires="p14">
-      <p:transition spd="slow" p14:dur="2000" advTm="6074"/>
+  <mc:AlternateContent xmlns:mc="http://schemas.openxmlformats.org/markup-compatibility/2006" xmlns:p14="http://schemas.microsoft.com/office/powerpoint/2010/main">
+    <mc:Choice Requires="p14">
+      <p:transition spd="slow" p14:dur="2000" advTm="10608"/>
     </mc:Choice>
-    <mc:Fallback>
-      <p:transition spd="slow" advTm="6074"/>
+    <mc:Fallback xmlns="">
+      <p:transition spd="slow" advTm="10608"/>
     </mc:Fallback>
   </mc:AlternateContent>
 </p:sld>
@@ -6762,12 +6762,12 @@
   <p:clrMapOvr>
     <a:masterClrMapping/>
   </p:clrMapOvr>
-  <mc:AlternateContent xmlns:mc="http://schemas.openxmlformats.org/markup-compatibility/2006">
-    <mc:Choice xmlns:p14="http://schemas.microsoft.com/office/powerpoint/2010/main" Requires="p14">
-      <p:transition spd="slow" p14:dur="2000" advTm="20051"/>
+  <mc:AlternateContent xmlns:mc="http://schemas.openxmlformats.org/markup-compatibility/2006" xmlns:p14="http://schemas.microsoft.com/office/powerpoint/2010/main">
+    <mc:Choice Requires="p14">
+      <p:transition spd="slow" p14:dur="2000" advTm="28951"/>
     </mc:Choice>
-    <mc:Fallback>
-      <p:transition spd="slow" advTm="20051"/>
+    <mc:Fallback xmlns="">
+      <p:transition spd="slow" advTm="28951"/>
     </mc:Fallback>
   </mc:AlternateContent>
 </p:sld>
@@ -6937,12 +6937,12 @@
   <p:clrMapOvr>
     <a:masterClrMapping/>
   </p:clrMapOvr>
-  <mc:AlternateContent xmlns:mc="http://schemas.openxmlformats.org/markup-compatibility/2006">
-    <mc:Choice xmlns:p14="http://schemas.microsoft.com/office/powerpoint/2010/main" Requires="p14">
-      <p:transition spd="slow" p14:dur="2000" advTm="13937"/>
+  <mc:AlternateContent xmlns:mc="http://schemas.openxmlformats.org/markup-compatibility/2006" xmlns:p14="http://schemas.microsoft.com/office/powerpoint/2010/main">
+    <mc:Choice Requires="p14">
+      <p:transition spd="slow" p14:dur="2000" advTm="13819"/>
     </mc:Choice>
-    <mc:Fallback>
-      <p:transition spd="slow" advTm="13937"/>
+    <mc:Fallback xmlns="">
+      <p:transition spd="slow" advTm="13819"/>
     </mc:Fallback>
   </mc:AlternateContent>
 </p:sld>
@@ -7090,12 +7090,12 @@
   <p:clrMapOvr>
     <a:masterClrMapping/>
   </p:clrMapOvr>
-  <mc:AlternateContent xmlns:mc="http://schemas.openxmlformats.org/markup-compatibility/2006">
-    <mc:Choice xmlns:p14="http://schemas.microsoft.com/office/powerpoint/2010/main" Requires="p14">
-      <p:transition spd="slow" p14:dur="2000" advTm="7044"/>
+  <mc:AlternateContent xmlns:mc="http://schemas.openxmlformats.org/markup-compatibility/2006" xmlns:p14="http://schemas.microsoft.com/office/powerpoint/2010/main">
+    <mc:Choice Requires="p14">
+      <p:transition spd="slow" p14:dur="2000" advTm="6066"/>
     </mc:Choice>
-    <mc:Fallback>
-      <p:transition spd="slow" advTm="7044"/>
+    <mc:Fallback xmlns="">
+      <p:transition spd="slow" advTm="6066"/>
     </mc:Fallback>
   </mc:AlternateContent>
 </p:sld>
@@ -7493,12 +7493,12 @@
   <p:clrMapOvr>
     <a:masterClrMapping/>
   </p:clrMapOvr>
-  <mc:AlternateContent xmlns:mc="http://schemas.openxmlformats.org/markup-compatibility/2006">
-    <mc:Choice xmlns:p14="http://schemas.microsoft.com/office/powerpoint/2010/main" Requires="p14">
-      <p:transition spd="slow" p14:dur="2000" advTm="18080"/>
+  <mc:AlternateContent xmlns:mc="http://schemas.openxmlformats.org/markup-compatibility/2006" xmlns:p14="http://schemas.microsoft.com/office/powerpoint/2010/main">
+    <mc:Choice Requires="p14">
+      <p:transition spd="slow" p14:dur="2000" advTm="14060"/>
     </mc:Choice>
-    <mc:Fallback>
-      <p:transition spd="slow" advTm="18080"/>
+    <mc:Fallback xmlns="">
+      <p:transition spd="slow" advTm="14060"/>
     </mc:Fallback>
   </mc:AlternateContent>
 </p:sld>
@@ -7604,12 +7604,12 @@
   <p:clrMapOvr>
     <a:masterClrMapping/>
   </p:clrMapOvr>
-  <mc:AlternateContent xmlns:mc="http://schemas.openxmlformats.org/markup-compatibility/2006">
-    <mc:Choice xmlns:p14="http://schemas.microsoft.com/office/powerpoint/2010/main" Requires="p14">
-      <p:transition spd="slow" p14:dur="2000" advTm="3896"/>
+  <mc:AlternateContent xmlns:mc="http://schemas.openxmlformats.org/markup-compatibility/2006" xmlns:p14="http://schemas.microsoft.com/office/powerpoint/2010/main">
+    <mc:Choice Requires="p14">
+      <p:transition spd="slow" p14:dur="2000" advTm="21310"/>
     </mc:Choice>
-    <mc:Fallback>
-      <p:transition spd="slow" advTm="3896"/>
+    <mc:Fallback xmlns="">
+      <p:transition spd="slow" advTm="21310"/>
     </mc:Fallback>
   </mc:AlternateContent>
 </p:sld>
@@ -7811,12 +7811,12 @@
   <p:clrMapOvr>
     <a:masterClrMapping/>
   </p:clrMapOvr>
-  <mc:AlternateContent xmlns:mc="http://schemas.openxmlformats.org/markup-compatibility/2006">
-    <mc:Choice xmlns:p14="http://schemas.microsoft.com/office/powerpoint/2010/main" Requires="p14">
-      <p:transition spd="slow" p14:dur="2000" advTm="4878"/>
+  <mc:AlternateContent xmlns:mc="http://schemas.openxmlformats.org/markup-compatibility/2006" xmlns:p14="http://schemas.microsoft.com/office/powerpoint/2010/main">
+    <mc:Choice Requires="p14">
+      <p:transition spd="slow" p14:dur="2000" advTm="7058"/>
     </mc:Choice>
-    <mc:Fallback>
-      <p:transition spd="slow" advTm="4878"/>
+    <mc:Fallback xmlns="">
+      <p:transition spd="slow" advTm="7058"/>
     </mc:Fallback>
   </mc:AlternateContent>
 </p:sld>
@@ -8085,12 +8085,12 @@
   <p:clrMapOvr>
     <a:masterClrMapping/>
   </p:clrMapOvr>
-  <mc:AlternateContent xmlns:mc="http://schemas.openxmlformats.org/markup-compatibility/2006">
-    <mc:Choice xmlns:p14="http://schemas.microsoft.com/office/powerpoint/2010/main" Requires="p14">
-      <p:transition spd="slow" p14:dur="2000" advTm="1018"/>
+  <mc:AlternateContent xmlns:mc="http://schemas.openxmlformats.org/markup-compatibility/2006" xmlns:p14="http://schemas.microsoft.com/office/powerpoint/2010/main">
+    <mc:Choice Requires="p14">
+      <p:transition spd="slow" p14:dur="2000" advTm="33428"/>
     </mc:Choice>
-    <mc:Fallback>
-      <p:transition spd="slow" advTm="1018"/>
+    <mc:Fallback xmlns="">
+      <p:transition spd="slow" advTm="33428"/>
     </mc:Fallback>
   </mc:AlternateContent>
 </p:sld>
@@ -8369,12 +8369,12 @@
   <p:clrMapOvr>
     <a:masterClrMapping/>
   </p:clrMapOvr>
-  <mc:AlternateContent xmlns:mc="http://schemas.openxmlformats.org/markup-compatibility/2006">
-    <mc:Choice xmlns:p14="http://schemas.microsoft.com/office/powerpoint/2010/main" Requires="p14">
-      <p:transition spd="slow" p14:dur="2000" advTm="19264"/>
+  <mc:AlternateContent xmlns:mc="http://schemas.openxmlformats.org/markup-compatibility/2006" xmlns:p14="http://schemas.microsoft.com/office/powerpoint/2010/main">
+    <mc:Choice Requires="p14">
+      <p:transition spd="slow" p14:dur="2000" advTm="18595"/>
     </mc:Choice>
-    <mc:Fallback>
-      <p:transition spd="slow" advTm="19264"/>
+    <mc:Fallback xmlns="">
+      <p:transition spd="slow" advTm="18595"/>
     </mc:Fallback>
   </mc:AlternateContent>
 </p:sld>
@@ -8915,12 +8915,12 @@
   <p:clrMapOvr>
     <a:masterClrMapping/>
   </p:clrMapOvr>
-  <mc:AlternateContent xmlns:mc="http://schemas.openxmlformats.org/markup-compatibility/2006">
-    <mc:Choice xmlns:p14="http://schemas.microsoft.com/office/powerpoint/2010/main" Requires="p14">
-      <p:transition spd="slow" p14:dur="2000" advTm="10956"/>
+  <mc:AlternateContent xmlns:mc="http://schemas.openxmlformats.org/markup-compatibility/2006" xmlns:p14="http://schemas.microsoft.com/office/powerpoint/2010/main">
+    <mc:Choice Requires="p14">
+      <p:transition spd="slow" p14:dur="2000" advTm="10705"/>
     </mc:Choice>
-    <mc:Fallback>
-      <p:transition spd="slow" advTm="10956"/>
+    <mc:Fallback xmlns="">
+      <p:transition spd="slow" advTm="10705"/>
     </mc:Fallback>
   </mc:AlternateContent>
 </p:sld>
@@ -9077,7 +9077,7 @@
           <a:p>
             <a:r>
               <a:rPr lang="ko-KR" altLang="en-US" dirty="0"/>
-              <a:t>반응형 효과음 </a:t>
+              <a:t>반응형 효과음</a:t>
             </a:r>
             <a:endParaRPr lang="en-US" altLang="ko-KR" dirty="0"/>
           </a:p>
@@ -9087,7 +9087,6 @@
               <a:rPr lang="ko-KR" altLang="en-US" sz="2000" dirty="0"/>
               <a:t>게임 상황에 맞게 변하는 효과음</a:t>
             </a:r>
-            <a:endParaRPr lang="en-US" altLang="ko-KR" sz="2000" dirty="0"/>
           </a:p>
           <a:p>
             <a:r>
@@ -9159,12 +9158,12 @@
   <p:clrMapOvr>
     <a:masterClrMapping/>
   </p:clrMapOvr>
-  <mc:AlternateContent xmlns:mc="http://schemas.openxmlformats.org/markup-compatibility/2006">
-    <mc:Choice xmlns:p14="http://schemas.microsoft.com/office/powerpoint/2010/main" Requires="p14">
-      <p:transition spd="slow" p14:dur="2000" advTm="78391"/>
+  <mc:AlternateContent xmlns:mc="http://schemas.openxmlformats.org/markup-compatibility/2006" xmlns:p14="http://schemas.microsoft.com/office/powerpoint/2010/main">
+    <mc:Choice Requires="p14">
+      <p:transition spd="slow" p14:dur="2000" advTm="65270"/>
     </mc:Choice>
-    <mc:Fallback>
-      <p:transition spd="slow" advTm="78391"/>
+    <mc:Fallback xmlns="">
+      <p:transition spd="slow" advTm="65270"/>
     </mc:Fallback>
   </mc:AlternateContent>
 </p:sld>
@@ -9482,12 +9481,12 @@
   <p:clrMapOvr>
     <a:masterClrMapping/>
   </p:clrMapOvr>
-  <mc:AlternateContent xmlns:mc="http://schemas.openxmlformats.org/markup-compatibility/2006">
-    <mc:Choice xmlns:p14="http://schemas.microsoft.com/office/powerpoint/2010/main" Requires="p14">
-      <p:transition spd="slow" p14:dur="2000" advTm="22387"/>
+  <mc:AlternateContent xmlns:mc="http://schemas.openxmlformats.org/markup-compatibility/2006" xmlns:p14="http://schemas.microsoft.com/office/powerpoint/2010/main">
+    <mc:Choice Requires="p14">
+      <p:transition spd="slow" p14:dur="2000" advTm="21936"/>
     </mc:Choice>
-    <mc:Fallback>
-      <p:transition spd="slow" advTm="22387"/>
+    <mc:Fallback xmlns="">
+      <p:transition spd="slow" advTm="21936"/>
     </mc:Fallback>
   </mc:AlternateContent>
 </p:sld>
@@ -10439,12 +10438,12 @@
   <p:clrMapOvr>
     <a:masterClrMapping/>
   </p:clrMapOvr>
-  <mc:AlternateContent xmlns:mc="http://schemas.openxmlformats.org/markup-compatibility/2006">
-    <mc:Choice xmlns:p14="http://schemas.microsoft.com/office/powerpoint/2010/main" Requires="p14">
-      <p:transition spd="slow" p14:dur="2000" advTm="913"/>
+  <mc:AlternateContent xmlns:mc="http://schemas.openxmlformats.org/markup-compatibility/2006" xmlns:p14="http://schemas.microsoft.com/office/powerpoint/2010/main">
+    <mc:Choice Requires="p14">
+      <p:transition spd="slow" p14:dur="2000" advTm="6674"/>
     </mc:Choice>
-    <mc:Fallback>
-      <p:transition spd="slow" advTm="913"/>
+    <mc:Fallback xmlns="">
+      <p:transition spd="slow" advTm="6674"/>
     </mc:Fallback>
   </mc:AlternateContent>
 </p:sld>
@@ -12164,12 +12163,12 @@
   <p:clrMapOvr>
     <a:masterClrMapping/>
   </p:clrMapOvr>
-  <mc:AlternateContent xmlns:mc="http://schemas.openxmlformats.org/markup-compatibility/2006">
-    <mc:Choice xmlns:p14="http://schemas.microsoft.com/office/powerpoint/2010/main" Requires="p14">
-      <p:transition spd="slow" p14:dur="2000" advTm="9687"/>
+  <mc:AlternateContent xmlns:mc="http://schemas.openxmlformats.org/markup-compatibility/2006" xmlns:p14="http://schemas.microsoft.com/office/powerpoint/2010/main">
+    <mc:Choice Requires="p14">
+      <p:transition spd="slow" p14:dur="2000" advTm="11600"/>
     </mc:Choice>
-    <mc:Fallback>
-      <p:transition spd="slow" advTm="9687"/>
+    <mc:Fallback xmlns="">
+      <p:transition spd="slow" advTm="11600"/>
     </mc:Fallback>
   </mc:AlternateContent>
 </p:sld>
@@ -12249,12 +12248,12 @@
   <p:clrMapOvr>
     <a:masterClrMapping/>
   </p:clrMapOvr>
-  <mc:AlternateContent xmlns:mc="http://schemas.openxmlformats.org/markup-compatibility/2006">
-    <mc:Choice xmlns:p14="http://schemas.microsoft.com/office/powerpoint/2010/main" Requires="p14">
-      <p:transition spd="slow" p14:dur="2000" advTm="2875"/>
+  <mc:AlternateContent xmlns:mc="http://schemas.openxmlformats.org/markup-compatibility/2006" xmlns:p14="http://schemas.microsoft.com/office/powerpoint/2010/main">
+    <mc:Choice Requires="p14">
+      <p:transition spd="slow" p14:dur="2000" advTm="1890"/>
     </mc:Choice>
-    <mc:Fallback>
-      <p:transition spd="slow" advTm="2875"/>
+    <mc:Fallback xmlns="">
+      <p:transition spd="slow" advTm="1890"/>
     </mc:Fallback>
   </mc:AlternateContent>
 </p:sld>
@@ -12452,12 +12451,12 @@
   <p:clrMapOvr>
     <a:masterClrMapping/>
   </p:clrMapOvr>
-  <mc:AlternateContent xmlns:mc="http://schemas.openxmlformats.org/markup-compatibility/2006">
-    <mc:Choice xmlns:p14="http://schemas.microsoft.com/office/powerpoint/2010/main" Requires="p14">
-      <p:transition spd="slow" p14:dur="2000" advTm="19982"/>
+  <mc:AlternateContent xmlns:mc="http://schemas.openxmlformats.org/markup-compatibility/2006" xmlns:p14="http://schemas.microsoft.com/office/powerpoint/2010/main">
+    <mc:Choice Requires="p14">
+      <p:transition spd="slow" p14:dur="2000" advTm="16155"/>
     </mc:Choice>
-    <mc:Fallback>
-      <p:transition spd="slow" advTm="19982"/>
+    <mc:Fallback xmlns="">
+      <p:transition spd="slow" advTm="16155"/>
     </mc:Fallback>
   </mc:AlternateContent>
 </p:sld>
@@ -12640,12 +12639,12 @@
   <p:clrMapOvr>
     <a:masterClrMapping/>
   </p:clrMapOvr>
-  <mc:AlternateContent xmlns:mc="http://schemas.openxmlformats.org/markup-compatibility/2006">
-    <mc:Choice xmlns:p14="http://schemas.microsoft.com/office/powerpoint/2010/main" Requires="p14">
-      <p:transition spd="slow" p14:dur="2000" advTm="6565"/>
+  <mc:AlternateContent xmlns:mc="http://schemas.openxmlformats.org/markup-compatibility/2006" xmlns:p14="http://schemas.microsoft.com/office/powerpoint/2010/main">
+    <mc:Choice Requires="p14">
+      <p:transition spd="slow" p14:dur="2000" advTm="6591"/>
     </mc:Choice>
-    <mc:Fallback>
-      <p:transition spd="slow" advTm="6565"/>
+    <mc:Fallback xmlns="">
+      <p:transition spd="slow" advTm="6591"/>
     </mc:Fallback>
   </mc:AlternateContent>
 </p:sld>
@@ -12785,12 +12784,12 @@
   <p:clrMapOvr>
     <a:masterClrMapping/>
   </p:clrMapOvr>
-  <mc:AlternateContent xmlns:mc="http://schemas.openxmlformats.org/markup-compatibility/2006">
-    <mc:Choice xmlns:p14="http://schemas.microsoft.com/office/powerpoint/2010/main" Requires="p14">
-      <p:transition spd="slow" p14:dur="2000" advTm="10403"/>
+  <mc:AlternateContent xmlns:mc="http://schemas.openxmlformats.org/markup-compatibility/2006" xmlns:p14="http://schemas.microsoft.com/office/powerpoint/2010/main">
+    <mc:Choice Requires="p14">
+      <p:transition spd="slow" p14:dur="2000" advTm="11440"/>
     </mc:Choice>
-    <mc:Fallback>
-      <p:transition spd="slow" advTm="10403"/>
+    <mc:Fallback xmlns="">
+      <p:transition spd="slow" advTm="11440"/>
     </mc:Fallback>
   </mc:AlternateContent>
 </p:sld>
@@ -12962,12 +12961,12 @@
   <p:clrMapOvr>
     <a:masterClrMapping/>
   </p:clrMapOvr>
-  <mc:AlternateContent xmlns:mc="http://schemas.openxmlformats.org/markup-compatibility/2006">
-    <mc:Choice xmlns:p14="http://schemas.microsoft.com/office/powerpoint/2010/main" Requires="p14">
-      <p:transition spd="slow" p14:dur="2000" advTm="19264"/>
+  <mc:AlternateContent xmlns:mc="http://schemas.openxmlformats.org/markup-compatibility/2006" xmlns:p14="http://schemas.microsoft.com/office/powerpoint/2010/main">
+    <mc:Choice Requires="p14">
+      <p:transition spd="slow" p14:dur="2000" advTm="14396"/>
     </mc:Choice>
-    <mc:Fallback>
-      <p:transition spd="slow" advTm="19264"/>
+    <mc:Fallback xmlns="">
+      <p:transition spd="slow" advTm="14396"/>
     </mc:Fallback>
   </mc:AlternateContent>
 </p:sld>
@@ -14953,12 +14952,12 @@
   <p:clrMapOvr>
     <a:masterClrMapping/>
   </p:clrMapOvr>
-  <mc:AlternateContent xmlns:mc="http://schemas.openxmlformats.org/markup-compatibility/2006">
-    <mc:Choice xmlns:p14="http://schemas.microsoft.com/office/powerpoint/2010/main" Requires="p14">
-      <p:transition spd="slow" p14:dur="2000" advTm="16600"/>
+  <mc:AlternateContent xmlns:mc="http://schemas.openxmlformats.org/markup-compatibility/2006" xmlns:p14="http://schemas.microsoft.com/office/powerpoint/2010/main">
+    <mc:Choice Requires="p14">
+      <p:transition spd="slow" p14:dur="2000" advTm="13503"/>
     </mc:Choice>
-    <mc:Fallback>
-      <p:transition spd="slow" advTm="16600"/>
+    <mc:Fallback xmlns="">
+      <p:transition spd="slow" advTm="13503"/>
     </mc:Fallback>
   </mc:AlternateContent>
 </p:sld>
@@ -15299,12 +15298,12 @@
   <p:clrMapOvr>
     <a:masterClrMapping/>
   </p:clrMapOvr>
-  <mc:AlternateContent xmlns:mc="http://schemas.openxmlformats.org/markup-compatibility/2006">
-    <mc:Choice xmlns:p14="http://schemas.microsoft.com/office/powerpoint/2010/main" Requires="p14">
-      <p:transition spd="slow" p14:dur="2000" advTm="18481"/>
+  <mc:AlternateContent xmlns:mc="http://schemas.openxmlformats.org/markup-compatibility/2006" xmlns:p14="http://schemas.microsoft.com/office/powerpoint/2010/main">
+    <mc:Choice Requires="p14">
+      <p:transition spd="slow" p14:dur="2000" advTm="12446"/>
     </mc:Choice>
-    <mc:Fallback>
-      <p:transition spd="slow" advTm="18481"/>
+    <mc:Fallback xmlns="">
+      <p:transition spd="slow" advTm="12446"/>
     </mc:Fallback>
   </mc:AlternateContent>
 </p:sld>
@@ -15483,12 +15482,12 @@
   <p:clrMapOvr>
     <a:masterClrMapping/>
   </p:clrMapOvr>
-  <mc:AlternateContent xmlns:mc="http://schemas.openxmlformats.org/markup-compatibility/2006">
-    <mc:Choice xmlns:p14="http://schemas.microsoft.com/office/powerpoint/2010/main" Requires="p14">
-      <p:transition spd="slow" p14:dur="2000" advTm="32739"/>
+  <mc:AlternateContent xmlns:mc="http://schemas.openxmlformats.org/markup-compatibility/2006" xmlns:p14="http://schemas.microsoft.com/office/powerpoint/2010/main">
+    <mc:Choice Requires="p14">
+      <p:transition spd="slow" p14:dur="2000" advTm="29975"/>
     </mc:Choice>
-    <mc:Fallback>
-      <p:transition spd="slow" advTm="32739"/>
+    <mc:Fallback xmlns="">
+      <p:transition spd="slow" advTm="29975"/>
     </mc:Fallback>
   </mc:AlternateContent>
 </p:sld>
@@ -15496,7 +15495,7 @@
 
 <file path=ppt/tags/tag1.xml><?xml version="1.0" encoding="utf-8"?>
 <p:tagLst xmlns:a="http://schemas.openxmlformats.org/drawingml/2006/main" xmlns:r="http://schemas.openxmlformats.org/officeDocument/2006/relationships" xmlns:p="http://schemas.openxmlformats.org/presentationml/2006/main">
-  <p:tag name="TIMING" val="|5.9|4.9|0.3|5.7|1.5|2.1|0.4|5.7|0.7|13"/>
+  <p:tag name="TIMING" val="|3.3|5.6|0.3|8.3|0.9|1.5|0.8|2.3|0.8|11.3"/>
 </p:tagLst>
 </file>
 
